--- a/tests/resources/office/presentation.pptx
+++ b/tests/resources/office/presentation.pptx
@@ -104,7 +104,16 @@
       </a:defRPr>
     </a:lvl9pPr>
   </p:defaultTextStyle>
+  <p:extLst>
+    <p:ext uri="{EFAFB233-063F-42B5-8137-9DF3F51BA10A}">
+      <p15:sldGuideLst xmlns:p15="http://schemas.microsoft.com/office/powerpoint/2012/main"/>
+    </p:ext>
+  </p:extLst>
 </p:presentation>
+</file>
+
+<file path=ppt/revisionInfo.xml><?xml version="1.0" encoding="utf-8"?>
+<p1510:revInfo xmlns:a="http://schemas.openxmlformats.org/drawingml/2006/main" xmlns:r="http://schemas.openxmlformats.org/officeDocument/2006/relationships" xmlns:p1510="http://schemas.microsoft.com/office/powerpoint/2015/10/main"/>
 </file>
 
 <file path=ppt/slideLayouts/slideLayout1.xml><?xml version="1.0" encoding="utf-8"?>
@@ -254,7 +263,7 @@
           <a:p>
             <a:fld id="{2F38B55B-22DB-4493-9315-74E07D820084}" type="datetimeFigureOut">
               <a:rPr kumimoji="1" lang="ja-JP" altLang="en-US" smtClean="0"/>
-              <a:t>2018/1/2</a:t>
+              <a:t>2018/1/5</a:t>
             </a:fld>
             <a:endParaRPr kumimoji="1" lang="ja-JP" altLang="en-US"/>
           </a:p>
@@ -484,7 +493,7 @@
           <a:p>
             <a:fld id="{2F38B55B-22DB-4493-9315-74E07D820084}" type="datetimeFigureOut">
               <a:rPr kumimoji="1" lang="ja-JP" altLang="en-US" smtClean="0"/>
-              <a:t>2018/1/2</a:t>
+              <a:t>2018/1/5</a:t>
             </a:fld>
             <a:endParaRPr kumimoji="1" lang="ja-JP" altLang="en-US"/>
           </a:p>
@@ -724,7 +733,7 @@
           <a:p>
             <a:fld id="{2F38B55B-22DB-4493-9315-74E07D820084}" type="datetimeFigureOut">
               <a:rPr kumimoji="1" lang="ja-JP" altLang="en-US" smtClean="0"/>
-              <a:t>2018/1/2</a:t>
+              <a:t>2018/1/5</a:t>
             </a:fld>
             <a:endParaRPr kumimoji="1" lang="ja-JP" altLang="en-US"/>
           </a:p>
@@ -954,7 +963,7 @@
           <a:p>
             <a:fld id="{2F38B55B-22DB-4493-9315-74E07D820084}" type="datetimeFigureOut">
               <a:rPr kumimoji="1" lang="ja-JP" altLang="en-US" smtClean="0"/>
-              <a:t>2018/1/2</a:t>
+              <a:t>2018/1/5</a:t>
             </a:fld>
             <a:endParaRPr kumimoji="1" lang="ja-JP" altLang="en-US"/>
           </a:p>
@@ -1229,7 +1238,7 @@
           <a:p>
             <a:fld id="{2F38B55B-22DB-4493-9315-74E07D820084}" type="datetimeFigureOut">
               <a:rPr kumimoji="1" lang="ja-JP" altLang="en-US" smtClean="0"/>
-              <a:t>2018/1/2</a:t>
+              <a:t>2018/1/5</a:t>
             </a:fld>
             <a:endParaRPr kumimoji="1" lang="ja-JP" altLang="en-US"/>
           </a:p>
@@ -1558,7 +1567,7 @@
           <a:p>
             <a:fld id="{2F38B55B-22DB-4493-9315-74E07D820084}" type="datetimeFigureOut">
               <a:rPr kumimoji="1" lang="ja-JP" altLang="en-US" smtClean="0"/>
-              <a:t>2018/1/2</a:t>
+              <a:t>2018/1/5</a:t>
             </a:fld>
             <a:endParaRPr kumimoji="1" lang="ja-JP" altLang="en-US"/>
           </a:p>
@@ -2034,7 +2043,7 @@
           <a:p>
             <a:fld id="{2F38B55B-22DB-4493-9315-74E07D820084}" type="datetimeFigureOut">
               <a:rPr kumimoji="1" lang="ja-JP" altLang="en-US" smtClean="0"/>
-              <a:t>2018/1/2</a:t>
+              <a:t>2018/1/5</a:t>
             </a:fld>
             <a:endParaRPr kumimoji="1" lang="ja-JP" altLang="en-US"/>
           </a:p>
@@ -2175,7 +2184,7 @@
           <a:p>
             <a:fld id="{2F38B55B-22DB-4493-9315-74E07D820084}" type="datetimeFigureOut">
               <a:rPr kumimoji="1" lang="ja-JP" altLang="en-US" smtClean="0"/>
-              <a:t>2018/1/2</a:t>
+              <a:t>2018/1/5</a:t>
             </a:fld>
             <a:endParaRPr kumimoji="1" lang="ja-JP" altLang="en-US"/>
           </a:p>
@@ -2288,7 +2297,7 @@
           <a:p>
             <a:fld id="{2F38B55B-22DB-4493-9315-74E07D820084}" type="datetimeFigureOut">
               <a:rPr kumimoji="1" lang="ja-JP" altLang="en-US" smtClean="0"/>
-              <a:t>2018/1/2</a:t>
+              <a:t>2018/1/5</a:t>
             </a:fld>
             <a:endParaRPr kumimoji="1" lang="ja-JP" altLang="en-US"/>
           </a:p>
@@ -2631,7 +2640,7 @@
           <a:p>
             <a:fld id="{2F38B55B-22DB-4493-9315-74E07D820084}" type="datetimeFigureOut">
               <a:rPr kumimoji="1" lang="ja-JP" altLang="en-US" smtClean="0"/>
-              <a:t>2018/1/2</a:t>
+              <a:t>2018/1/5</a:t>
             </a:fld>
             <a:endParaRPr kumimoji="1" lang="ja-JP" altLang="en-US"/>
           </a:p>
@@ -2919,7 +2928,7 @@
           <a:p>
             <a:fld id="{2F38B55B-22DB-4493-9315-74E07D820084}" type="datetimeFigureOut">
               <a:rPr kumimoji="1" lang="ja-JP" altLang="en-US" smtClean="0"/>
-              <a:t>2018/1/2</a:t>
+              <a:t>2018/1/5</a:t>
             </a:fld>
             <a:endParaRPr kumimoji="1" lang="ja-JP" altLang="en-US"/>
           </a:p>
@@ -3192,7 +3201,7 @@
           <a:p>
             <a:fld id="{2F38B55B-22DB-4493-9315-74E07D820084}" type="datetimeFigureOut">
               <a:rPr kumimoji="1" lang="ja-JP" altLang="en-US" smtClean="0"/>
-              <a:t>2018/1/2</a:t>
+              <a:t>2018/1/5</a:t>
             </a:fld>
             <a:endParaRPr kumimoji="1" lang="ja-JP" altLang="en-US"/>
           </a:p>

--- a/tests/resources/office/presentation.pptx
+++ b/tests/resources/office/presentation.pptx
@@ -263,7 +263,7 @@
           <a:p>
             <a:fld id="{2F38B55B-22DB-4493-9315-74E07D820084}" type="datetimeFigureOut">
               <a:rPr kumimoji="1" lang="ja-JP" altLang="en-US" smtClean="0"/>
-              <a:t>2018/1/5</a:t>
+              <a:t>2018/1/30</a:t>
             </a:fld>
             <a:endParaRPr kumimoji="1" lang="ja-JP" altLang="en-US"/>
           </a:p>
@@ -493,7 +493,7 @@
           <a:p>
             <a:fld id="{2F38B55B-22DB-4493-9315-74E07D820084}" type="datetimeFigureOut">
               <a:rPr kumimoji="1" lang="ja-JP" altLang="en-US" smtClean="0"/>
-              <a:t>2018/1/5</a:t>
+              <a:t>2018/1/30</a:t>
             </a:fld>
             <a:endParaRPr kumimoji="1" lang="ja-JP" altLang="en-US"/>
           </a:p>
@@ -733,7 +733,7 @@
           <a:p>
             <a:fld id="{2F38B55B-22DB-4493-9315-74E07D820084}" type="datetimeFigureOut">
               <a:rPr kumimoji="1" lang="ja-JP" altLang="en-US" smtClean="0"/>
-              <a:t>2018/1/5</a:t>
+              <a:t>2018/1/30</a:t>
             </a:fld>
             <a:endParaRPr kumimoji="1" lang="ja-JP" altLang="en-US"/>
           </a:p>
@@ -963,7 +963,7 @@
           <a:p>
             <a:fld id="{2F38B55B-22DB-4493-9315-74E07D820084}" type="datetimeFigureOut">
               <a:rPr kumimoji="1" lang="ja-JP" altLang="en-US" smtClean="0"/>
-              <a:t>2018/1/5</a:t>
+              <a:t>2018/1/30</a:t>
             </a:fld>
             <a:endParaRPr kumimoji="1" lang="ja-JP" altLang="en-US"/>
           </a:p>
@@ -1238,7 +1238,7 @@
           <a:p>
             <a:fld id="{2F38B55B-22DB-4493-9315-74E07D820084}" type="datetimeFigureOut">
               <a:rPr kumimoji="1" lang="ja-JP" altLang="en-US" smtClean="0"/>
-              <a:t>2018/1/5</a:t>
+              <a:t>2018/1/30</a:t>
             </a:fld>
             <a:endParaRPr kumimoji="1" lang="ja-JP" altLang="en-US"/>
           </a:p>
@@ -1567,7 +1567,7 @@
           <a:p>
             <a:fld id="{2F38B55B-22DB-4493-9315-74E07D820084}" type="datetimeFigureOut">
               <a:rPr kumimoji="1" lang="ja-JP" altLang="en-US" smtClean="0"/>
-              <a:t>2018/1/5</a:t>
+              <a:t>2018/1/30</a:t>
             </a:fld>
             <a:endParaRPr kumimoji="1" lang="ja-JP" altLang="en-US"/>
           </a:p>
@@ -2043,7 +2043,7 @@
           <a:p>
             <a:fld id="{2F38B55B-22DB-4493-9315-74E07D820084}" type="datetimeFigureOut">
               <a:rPr kumimoji="1" lang="ja-JP" altLang="en-US" smtClean="0"/>
-              <a:t>2018/1/5</a:t>
+              <a:t>2018/1/30</a:t>
             </a:fld>
             <a:endParaRPr kumimoji="1" lang="ja-JP" altLang="en-US"/>
           </a:p>
@@ -2184,7 +2184,7 @@
           <a:p>
             <a:fld id="{2F38B55B-22DB-4493-9315-74E07D820084}" type="datetimeFigureOut">
               <a:rPr kumimoji="1" lang="ja-JP" altLang="en-US" smtClean="0"/>
-              <a:t>2018/1/5</a:t>
+              <a:t>2018/1/30</a:t>
             </a:fld>
             <a:endParaRPr kumimoji="1" lang="ja-JP" altLang="en-US"/>
           </a:p>
@@ -2297,7 +2297,7 @@
           <a:p>
             <a:fld id="{2F38B55B-22DB-4493-9315-74E07D820084}" type="datetimeFigureOut">
               <a:rPr kumimoji="1" lang="ja-JP" altLang="en-US" smtClean="0"/>
-              <a:t>2018/1/5</a:t>
+              <a:t>2018/1/30</a:t>
             </a:fld>
             <a:endParaRPr kumimoji="1" lang="ja-JP" altLang="en-US"/>
           </a:p>
@@ -2640,7 +2640,7 @@
           <a:p>
             <a:fld id="{2F38B55B-22DB-4493-9315-74E07D820084}" type="datetimeFigureOut">
               <a:rPr kumimoji="1" lang="ja-JP" altLang="en-US" smtClean="0"/>
-              <a:t>2018/1/5</a:t>
+              <a:t>2018/1/30</a:t>
             </a:fld>
             <a:endParaRPr kumimoji="1" lang="ja-JP" altLang="en-US"/>
           </a:p>
@@ -2928,7 +2928,7 @@
           <a:p>
             <a:fld id="{2F38B55B-22DB-4493-9315-74E07D820084}" type="datetimeFigureOut">
               <a:rPr kumimoji="1" lang="ja-JP" altLang="en-US" smtClean="0"/>
-              <a:t>2018/1/5</a:t>
+              <a:t>2018/1/30</a:t>
             </a:fld>
             <a:endParaRPr kumimoji="1" lang="ja-JP" altLang="en-US"/>
           </a:p>
@@ -3201,7 +3201,7 @@
           <a:p>
             <a:fld id="{2F38B55B-22DB-4493-9315-74E07D820084}" type="datetimeFigureOut">
               <a:rPr kumimoji="1" lang="ja-JP" altLang="en-US" smtClean="0"/>
-              <a:t>2018/1/5</a:t>
+              <a:t>2018/1/30</a:t>
             </a:fld>
             <a:endParaRPr kumimoji="1" lang="ja-JP" altLang="en-US"/>
           </a:p>
@@ -3747,36 +3747,524 @@
       </p:grpSp>
       <p:sp>
         <p:nvSpPr>
-          <p:cNvPr id="7" name="テキスト ボックス 6">
-            <a:extLst>
-              <a:ext uri="{FF2B5EF4-FFF2-40B4-BE49-F238E27FC236}">
-                <a16:creationId xmlns:a16="http://schemas.microsoft.com/office/drawing/2014/main" id="{A2DA7194-3768-451A-B53F-4796755A8749}"/>
-              </a:ext>
-            </a:extLst>
-          </p:cNvPr>
-          <p:cNvSpPr txBox="1"/>
+          <p:cNvPr id="3" name="正方形/長方形 2">
+            <a:extLst>
+              <a:ext uri="{FF2B5EF4-FFF2-40B4-BE49-F238E27FC236}">
+                <a16:creationId xmlns:a16="http://schemas.microsoft.com/office/drawing/2014/main" id="{95042C91-4E2C-4124-9086-CEE0A6A49F50}"/>
+              </a:ext>
+            </a:extLst>
+          </p:cNvPr>
+          <p:cNvSpPr/>
           <p:nvPr/>
         </p:nvSpPr>
         <p:spPr>
           <a:xfrm>
-            <a:off x="10112188" y="5190565"/>
-            <a:ext cx="184731" cy="369332"/>
+            <a:off x="5278056" y="1967696"/>
+            <a:ext cx="2974693" cy="2106593"/>
           </a:xfrm>
           <a:prstGeom prst="rect">
             <a:avLst/>
           </a:prstGeom>
-          <a:noFill/>
         </p:spPr>
-        <p:txBody>
-          <a:bodyPr wrap="none" rtlCol="0">
-            <a:spAutoFit/>
-          </a:bodyPr>
-          <a:lstStyle/>
-          <a:p>
+        <p:style>
+          <a:lnRef idx="2">
+            <a:schemeClr val="accent1">
+              <a:shade val="50000"/>
+            </a:schemeClr>
+          </a:lnRef>
+          <a:fillRef idx="1">
+            <a:schemeClr val="accent1"/>
+          </a:fillRef>
+          <a:effectRef idx="0">
+            <a:schemeClr val="accent1"/>
+          </a:effectRef>
+          <a:fontRef idx="minor">
+            <a:schemeClr val="lt1"/>
+          </a:fontRef>
+        </p:style>
+        <p:txBody>
+          <a:bodyPr rtlCol="0" anchor="ctr"/>
+          <a:lstStyle/>
+          <a:p>
+            <a:pPr algn="ctr"/>
             <a:endParaRPr kumimoji="1" lang="ja-JP" altLang="en-US"/>
           </a:p>
         </p:txBody>
       </p:sp>
+      <p:sp>
+        <p:nvSpPr>
+          <p:cNvPr id="7" name="楕円 6">
+            <a:extLst>
+              <a:ext uri="{FF2B5EF4-FFF2-40B4-BE49-F238E27FC236}">
+                <a16:creationId xmlns:a16="http://schemas.microsoft.com/office/drawing/2014/main" id="{EFDA8684-C709-4819-9039-7A55A25E914B}"/>
+              </a:ext>
+            </a:extLst>
+          </p:cNvPr>
+          <p:cNvSpPr/>
+          <p:nvPr/>
+        </p:nvSpPr>
+        <p:spPr>
+          <a:xfrm>
+            <a:off x="6516547" y="2338086"/>
+            <a:ext cx="821802" cy="798653"/>
+          </a:xfrm>
+          <a:prstGeom prst="ellipse">
+            <a:avLst/>
+          </a:prstGeom>
+          <a:solidFill>
+            <a:schemeClr val="accent6">
+              <a:lumMod val="75000"/>
+            </a:schemeClr>
+          </a:solidFill>
+        </p:spPr>
+        <p:style>
+          <a:lnRef idx="2">
+            <a:schemeClr val="accent1">
+              <a:shade val="50000"/>
+            </a:schemeClr>
+          </a:lnRef>
+          <a:fillRef idx="1">
+            <a:schemeClr val="accent1"/>
+          </a:fillRef>
+          <a:effectRef idx="0">
+            <a:schemeClr val="accent1"/>
+          </a:effectRef>
+          <a:fontRef idx="minor">
+            <a:schemeClr val="lt1"/>
+          </a:fontRef>
+        </p:style>
+        <p:txBody>
+          <a:bodyPr rtlCol="0" anchor="ctr"/>
+          <a:lstStyle/>
+          <a:p>
+            <a:pPr algn="ctr"/>
+            <a:endParaRPr kumimoji="1" lang="ja-JP" altLang="en-US" dirty="0">
+              <a:highlight>
+                <a:srgbClr val="FFFF00"/>
+              </a:highlight>
+            </a:endParaRPr>
+          </a:p>
+        </p:txBody>
+      </p:sp>
+      <p:sp>
+        <p:nvSpPr>
+          <p:cNvPr id="8" name="楕円 7">
+            <a:extLst>
+              <a:ext uri="{FF2B5EF4-FFF2-40B4-BE49-F238E27FC236}">
+                <a16:creationId xmlns:a16="http://schemas.microsoft.com/office/drawing/2014/main" id="{ED2BAB26-CCCA-40F2-A825-B6F7C3826F7C}"/>
+              </a:ext>
+            </a:extLst>
+          </p:cNvPr>
+          <p:cNvSpPr/>
+          <p:nvPr/>
+        </p:nvSpPr>
+        <p:spPr>
+          <a:xfrm>
+            <a:off x="4664599" y="2621665"/>
+            <a:ext cx="821802" cy="798653"/>
+          </a:xfrm>
+          <a:prstGeom prst="ellipse">
+            <a:avLst/>
+          </a:prstGeom>
+          <a:solidFill>
+            <a:schemeClr val="accent6">
+              <a:lumMod val="75000"/>
+            </a:schemeClr>
+          </a:solidFill>
+        </p:spPr>
+        <p:style>
+          <a:lnRef idx="2">
+            <a:schemeClr val="accent1">
+              <a:shade val="50000"/>
+            </a:schemeClr>
+          </a:lnRef>
+          <a:fillRef idx="1">
+            <a:schemeClr val="accent1"/>
+          </a:fillRef>
+          <a:effectRef idx="0">
+            <a:schemeClr val="accent1"/>
+          </a:effectRef>
+          <a:fontRef idx="minor">
+            <a:schemeClr val="lt1"/>
+          </a:fontRef>
+        </p:style>
+        <p:txBody>
+          <a:bodyPr rtlCol="0" anchor="ctr"/>
+          <a:lstStyle/>
+          <a:p>
+            <a:pPr algn="ctr"/>
+            <a:endParaRPr kumimoji="1" lang="ja-JP" altLang="en-US" dirty="0">
+              <a:highlight>
+                <a:srgbClr val="FFFF00"/>
+              </a:highlight>
+            </a:endParaRPr>
+          </a:p>
+        </p:txBody>
+      </p:sp>
+      <p:sp>
+        <p:nvSpPr>
+          <p:cNvPr id="9" name="楕円 8">
+            <a:extLst>
+              <a:ext uri="{FF2B5EF4-FFF2-40B4-BE49-F238E27FC236}">
+                <a16:creationId xmlns:a16="http://schemas.microsoft.com/office/drawing/2014/main" id="{ABECC67C-AB11-48C9-90C9-AA9783EC25F1}"/>
+              </a:ext>
+            </a:extLst>
+          </p:cNvPr>
+          <p:cNvSpPr/>
+          <p:nvPr/>
+        </p:nvSpPr>
+        <p:spPr>
+          <a:xfrm>
+            <a:off x="6597570" y="954912"/>
+            <a:ext cx="821802" cy="798653"/>
+          </a:xfrm>
+          <a:prstGeom prst="ellipse">
+            <a:avLst/>
+          </a:prstGeom>
+          <a:solidFill>
+            <a:schemeClr val="accent6">
+              <a:lumMod val="75000"/>
+            </a:schemeClr>
+          </a:solidFill>
+        </p:spPr>
+        <p:style>
+          <a:lnRef idx="2">
+            <a:schemeClr val="accent1">
+              <a:shade val="50000"/>
+            </a:schemeClr>
+          </a:lnRef>
+          <a:fillRef idx="1">
+            <a:schemeClr val="accent1"/>
+          </a:fillRef>
+          <a:effectRef idx="0">
+            <a:schemeClr val="accent1"/>
+          </a:effectRef>
+          <a:fontRef idx="minor">
+            <a:schemeClr val="lt1"/>
+          </a:fontRef>
+        </p:style>
+        <p:txBody>
+          <a:bodyPr rtlCol="0" anchor="ctr"/>
+          <a:lstStyle/>
+          <a:p>
+            <a:pPr algn="ctr"/>
+            <a:endParaRPr kumimoji="1" lang="ja-JP" altLang="en-US" dirty="0">
+              <a:highlight>
+                <a:srgbClr val="FFFF00"/>
+              </a:highlight>
+            </a:endParaRPr>
+          </a:p>
+        </p:txBody>
+      </p:sp>
+      <p:sp>
+        <p:nvSpPr>
+          <p:cNvPr id="10" name="楕円 9">
+            <a:extLst>
+              <a:ext uri="{FF2B5EF4-FFF2-40B4-BE49-F238E27FC236}">
+                <a16:creationId xmlns:a16="http://schemas.microsoft.com/office/drawing/2014/main" id="{8230A45F-F55B-4F6F-AD11-8106DB442656}"/>
+              </a:ext>
+            </a:extLst>
+          </p:cNvPr>
+          <p:cNvSpPr/>
+          <p:nvPr/>
+        </p:nvSpPr>
+        <p:spPr>
+          <a:xfrm>
+            <a:off x="8763965" y="2438401"/>
+            <a:ext cx="821802" cy="798653"/>
+          </a:xfrm>
+          <a:prstGeom prst="ellipse">
+            <a:avLst/>
+          </a:prstGeom>
+          <a:solidFill>
+            <a:schemeClr val="accent6">
+              <a:lumMod val="75000"/>
+            </a:schemeClr>
+          </a:solidFill>
+        </p:spPr>
+        <p:style>
+          <a:lnRef idx="2">
+            <a:schemeClr val="accent1">
+              <a:shade val="50000"/>
+            </a:schemeClr>
+          </a:lnRef>
+          <a:fillRef idx="1">
+            <a:schemeClr val="accent1"/>
+          </a:fillRef>
+          <a:effectRef idx="0">
+            <a:schemeClr val="accent1"/>
+          </a:effectRef>
+          <a:fontRef idx="minor">
+            <a:schemeClr val="lt1"/>
+          </a:fontRef>
+        </p:style>
+        <p:txBody>
+          <a:bodyPr rtlCol="0" anchor="ctr"/>
+          <a:lstStyle/>
+          <a:p>
+            <a:pPr algn="ctr"/>
+            <a:endParaRPr kumimoji="1" lang="ja-JP" altLang="en-US" dirty="0">
+              <a:highlight>
+                <a:srgbClr val="FFFF00"/>
+              </a:highlight>
+            </a:endParaRPr>
+          </a:p>
+        </p:txBody>
+      </p:sp>
+      <p:sp>
+        <p:nvSpPr>
+          <p:cNvPr id="11" name="楕円 10">
+            <a:extLst>
+              <a:ext uri="{FF2B5EF4-FFF2-40B4-BE49-F238E27FC236}">
+                <a16:creationId xmlns:a16="http://schemas.microsoft.com/office/drawing/2014/main" id="{14E10022-0D17-4F78-8301-E4ABC3716318}"/>
+              </a:ext>
+            </a:extLst>
+          </p:cNvPr>
+          <p:cNvSpPr/>
+          <p:nvPr/>
+        </p:nvSpPr>
+        <p:spPr>
+          <a:xfrm>
+            <a:off x="7686555" y="3771419"/>
+            <a:ext cx="821802" cy="798653"/>
+          </a:xfrm>
+          <a:prstGeom prst="ellipse">
+            <a:avLst/>
+          </a:prstGeom>
+          <a:solidFill>
+            <a:schemeClr val="accent6">
+              <a:lumMod val="75000"/>
+            </a:schemeClr>
+          </a:solidFill>
+        </p:spPr>
+        <p:style>
+          <a:lnRef idx="2">
+            <a:schemeClr val="accent1">
+              <a:shade val="50000"/>
+            </a:schemeClr>
+          </a:lnRef>
+          <a:fillRef idx="1">
+            <a:schemeClr val="accent1"/>
+          </a:fillRef>
+          <a:effectRef idx="0">
+            <a:schemeClr val="accent1"/>
+          </a:effectRef>
+          <a:fontRef idx="minor">
+            <a:schemeClr val="lt1"/>
+          </a:fontRef>
+        </p:style>
+        <p:txBody>
+          <a:bodyPr rtlCol="0" anchor="ctr"/>
+          <a:lstStyle/>
+          <a:p>
+            <a:pPr algn="ctr"/>
+            <a:endParaRPr kumimoji="1" lang="ja-JP" altLang="en-US" dirty="0">
+              <a:highlight>
+                <a:srgbClr val="FFFF00"/>
+              </a:highlight>
+            </a:endParaRPr>
+          </a:p>
+        </p:txBody>
+      </p:sp>
+      <p:grpSp>
+        <p:nvGrpSpPr>
+          <p:cNvPr id="15" name="グループ化 14">
+            <a:extLst>
+              <a:ext uri="{FF2B5EF4-FFF2-40B4-BE49-F238E27FC236}">
+                <a16:creationId xmlns:a16="http://schemas.microsoft.com/office/drawing/2014/main" id="{5F0EF18A-9C0A-443C-8D05-04AF54DB83E8}"/>
+              </a:ext>
+            </a:extLst>
+          </p:cNvPr>
+          <p:cNvGrpSpPr/>
+          <p:nvPr/>
+        </p:nvGrpSpPr>
+        <p:grpSpPr>
+          <a:xfrm>
+            <a:off x="1510496" y="4095510"/>
+            <a:ext cx="2384384" cy="1724627"/>
+            <a:chOff x="1585732" y="4074289"/>
+            <a:chExt cx="2384384" cy="1724627"/>
+          </a:xfrm>
+        </p:grpSpPr>
+        <p:sp>
+          <p:nvSpPr>
+            <p:cNvPr id="2" name="正方形/長方形 1">
+              <a:extLst>
+                <a:ext uri="{FF2B5EF4-FFF2-40B4-BE49-F238E27FC236}">
+                  <a16:creationId xmlns:a16="http://schemas.microsoft.com/office/drawing/2014/main" id="{8991F008-D698-42CD-8F0C-B795A82333F2}"/>
+                </a:ext>
+              </a:extLst>
+            </p:cNvPr>
+            <p:cNvSpPr/>
+            <p:nvPr/>
+          </p:nvSpPr>
+          <p:spPr>
+            <a:xfrm>
+              <a:off x="1585732" y="4074289"/>
+              <a:ext cx="2384384" cy="1724627"/>
+            </a:xfrm>
+            <a:prstGeom prst="rect">
+              <a:avLst/>
+            </a:prstGeom>
+          </p:spPr>
+          <p:style>
+            <a:lnRef idx="2">
+              <a:schemeClr val="accent1">
+                <a:shade val="50000"/>
+              </a:schemeClr>
+            </a:lnRef>
+            <a:fillRef idx="1">
+              <a:schemeClr val="accent1"/>
+            </a:fillRef>
+            <a:effectRef idx="0">
+              <a:schemeClr val="accent1"/>
+            </a:effectRef>
+            <a:fontRef idx="minor">
+              <a:schemeClr val="lt1"/>
+            </a:fontRef>
+          </p:style>
+          <p:txBody>
+            <a:bodyPr rtlCol="0" anchor="ctr"/>
+            <a:lstStyle/>
+            <a:p>
+              <a:pPr algn="ctr"/>
+              <a:endParaRPr kumimoji="1" lang="ja-JP" altLang="en-US"/>
+            </a:p>
+          </p:txBody>
+        </p:sp>
+        <p:grpSp>
+          <p:nvGrpSpPr>
+            <p:cNvPr id="14" name="グループ化 13">
+              <a:extLst>
+                <a:ext uri="{FF2B5EF4-FFF2-40B4-BE49-F238E27FC236}">
+                  <a16:creationId xmlns:a16="http://schemas.microsoft.com/office/drawing/2014/main" id="{891A5B9A-7239-4124-812B-3A7731F1A7B7}"/>
+                </a:ext>
+              </a:extLst>
+            </p:cNvPr>
+            <p:cNvGrpSpPr/>
+            <p:nvPr/>
+          </p:nvGrpSpPr>
+          <p:grpSpPr>
+            <a:xfrm>
+              <a:off x="2008206" y="4367996"/>
+              <a:ext cx="1539433" cy="1137212"/>
+              <a:chOff x="2008206" y="4367996"/>
+              <a:chExt cx="1539433" cy="1137212"/>
+            </a:xfrm>
+          </p:grpSpPr>
+          <p:sp>
+            <p:nvSpPr>
+              <p:cNvPr id="12" name="正方形/長方形 11">
+                <a:extLst>
+                  <a:ext uri="{FF2B5EF4-FFF2-40B4-BE49-F238E27FC236}">
+                    <a16:creationId xmlns:a16="http://schemas.microsoft.com/office/drawing/2014/main" id="{7C0512B7-A627-4298-9FB6-DA47921FE8BB}"/>
+                  </a:ext>
+                </a:extLst>
+              </p:cNvPr>
+              <p:cNvSpPr/>
+              <p:nvPr/>
+            </p:nvSpPr>
+            <p:spPr>
+              <a:xfrm>
+                <a:off x="2008206" y="4367996"/>
+                <a:ext cx="1539433" cy="1137212"/>
+              </a:xfrm>
+              <a:prstGeom prst="rect">
+                <a:avLst/>
+              </a:prstGeom>
+              <a:solidFill>
+                <a:schemeClr val="accent4">
+                  <a:lumMod val="75000"/>
+                </a:schemeClr>
+              </a:solidFill>
+            </p:spPr>
+            <p:style>
+              <a:lnRef idx="2">
+                <a:schemeClr val="accent1">
+                  <a:shade val="50000"/>
+                </a:schemeClr>
+              </a:lnRef>
+              <a:fillRef idx="1">
+                <a:schemeClr val="accent1"/>
+              </a:fillRef>
+              <a:effectRef idx="0">
+                <a:schemeClr val="accent1"/>
+              </a:effectRef>
+              <a:fontRef idx="minor">
+                <a:schemeClr val="lt1"/>
+              </a:fontRef>
+            </p:style>
+            <p:txBody>
+              <a:bodyPr rtlCol="0" anchor="ctr"/>
+              <a:lstStyle/>
+              <a:p>
+                <a:pPr algn="ctr"/>
+                <a:endParaRPr kumimoji="1" lang="ja-JP" altLang="en-US"/>
+              </a:p>
+            </p:txBody>
+          </p:sp>
+          <p:sp>
+            <p:nvSpPr>
+              <p:cNvPr id="13" name="正方形/長方形 12" title="Rect1">
+                <a:extLst>
+                  <a:ext uri="{FF2B5EF4-FFF2-40B4-BE49-F238E27FC236}">
+                    <a16:creationId xmlns:a16="http://schemas.microsoft.com/office/drawing/2014/main" id="{A284F3B6-05F3-4290-8499-EE76DCBCDBBF}"/>
+                  </a:ext>
+                </a:extLst>
+              </p:cNvPr>
+              <p:cNvSpPr/>
+              <p:nvPr/>
+            </p:nvSpPr>
+            <p:spPr>
+              <a:xfrm>
+                <a:off x="2430683" y="4709931"/>
+                <a:ext cx="870029" cy="453342"/>
+              </a:xfrm>
+              <a:prstGeom prst="rect">
+                <a:avLst/>
+              </a:prstGeom>
+              <a:solidFill>
+                <a:schemeClr val="accent6">
+                  <a:lumMod val="20000"/>
+                  <a:lumOff val="80000"/>
+                </a:schemeClr>
+              </a:solidFill>
+              <a:ln>
+                <a:solidFill>
+                  <a:schemeClr val="accent6">
+                    <a:lumMod val="60000"/>
+                    <a:lumOff val="40000"/>
+                  </a:schemeClr>
+                </a:solidFill>
+              </a:ln>
+            </p:spPr>
+            <p:style>
+              <a:lnRef idx="2">
+                <a:schemeClr val="accent1">
+                  <a:shade val="50000"/>
+                </a:schemeClr>
+              </a:lnRef>
+              <a:fillRef idx="1">
+                <a:schemeClr val="accent1"/>
+              </a:fillRef>
+              <a:effectRef idx="0">
+                <a:schemeClr val="accent1"/>
+              </a:effectRef>
+              <a:fontRef idx="minor">
+                <a:schemeClr val="lt1"/>
+              </a:fontRef>
+            </p:style>
+            <p:txBody>
+              <a:bodyPr rtlCol="0" anchor="ctr"/>
+              <a:lstStyle/>
+              <a:p>
+                <a:pPr algn="ctr"/>
+                <a:endParaRPr kumimoji="1" lang="ja-JP" altLang="en-US"/>
+              </a:p>
+            </p:txBody>
+          </p:sp>
+        </p:grpSp>
+      </p:grpSp>
     </p:spTree>
     <p:extLst>
       <p:ext uri="{BB962C8B-B14F-4D97-AF65-F5344CB8AC3E}">
